--- a/slides/08_workflow.pptx
+++ b/slides/08_workflow.pptx
@@ -17,6 +17,10 @@
     <p:sldId id="265" r:id="rId11"/>
     <p:sldId id="266" r:id="rId12"/>
     <p:sldId id="267" r:id="rId13"/>
+    <p:sldId id="268" r:id="rId14"/>
+    <p:sldId id="269" r:id="rId15"/>
+    <p:sldId id="270" r:id="rId16"/>
+    <p:sldId id="271" r:id="rId17"/>
   </p:sldIdLst>
   <p:sldSz cx="12192000" cy="6858000"/>
   <p:notesSz cx="6858000" cy="9144000"/>
@@ -5241,7 +5245,7 @@
       </p:grpSpPr>
       <p:sp>
         <p:nvSpPr>
-          <p:cNvPr id="2" name="Title 1"/>
+          <p:cNvPr id="8" name="Title 7"/>
           <p:cNvSpPr>
             <a:spLocks noGrp="1"/>
           </p:cNvSpPr>
@@ -5249,7 +5253,12 @@
             <p:ph type="title"/>
           </p:nvPr>
         </p:nvSpPr>
-        <p:spPr/>
+        <p:spPr>
+          <a:xfrm>
+            <a:off x="1097280" y="286603"/>
+            <a:ext cx="10058400" cy="1450757"/>
+          </a:xfrm>
+        </p:spPr>
         <p:txBody>
           <a:bodyPr/>
           <a:lstStyle/>
@@ -5259,7 +5268,7 @@
             </a:pPr>
             <a:r>
               <a:rPr/>
-              <a:t>Creating a README.md</a:t>
+              <a:t>Example: Refactoring a Notebook</a:t>
             </a:r>
           </a:p>
         </p:txBody>
@@ -5271,7 +5280,7 @@
             <a:spLocks noGrp="1"/>
           </p:cNvSpPr>
           <p:nvPr>
-            <p:ph idx="1"/>
+            <p:ph idx="1" sz="half"/>
           </p:nvPr>
         </p:nvSpPr>
         <p:spPr/>
@@ -5284,11 +5293,417 @@
             </a:pPr>
             <a:r>
               <a:rPr b="1"/>
-              <a:t>Why Include a README.md?</a:t>
-            </a:r>
-            <a:r>
-              <a:rPr/>
-              <a:t> - Provide an overview of your project - Explain how to install and use it - Highlight key features and dependencies</a:t>
+              <a:t>Before: Jupyter Notebook</a:t>
+            </a:r>
+          </a:p>
+          <a:p>
+            <a:pPr lvl="0" indent="0">
+              <a:buNone/>
+            </a:pPr>
+            <a:r>
+              <a:rPr>
+                <a:solidFill>
+                  <a:srgbClr val="5E5E5E"/>
+                </a:solidFill>
+                <a:latin typeface="Courier"/>
+              </a:rPr>
+              <a:t># notebook.ipynb</a:t>
+            </a:r>
+            <a:br/>
+            <a:r>
+              <a:rPr>
+                <a:solidFill>
+                  <a:srgbClr val="00769E"/>
+                </a:solidFill>
+                <a:latin typeface="Courier"/>
+              </a:rPr>
+              <a:t>import</a:t>
+            </a:r>
+            <a:r>
+              <a:rPr>
+                <a:solidFill>
+                  <a:srgbClr val="003B4F"/>
+                </a:solidFill>
+                <a:latin typeface="Courier"/>
+              </a:rPr>
+              <a:t> pandas </a:t>
+            </a:r>
+            <a:r>
+              <a:rPr>
+                <a:solidFill>
+                  <a:srgbClr val="00769E"/>
+                </a:solidFill>
+                <a:latin typeface="Courier"/>
+              </a:rPr>
+              <a:t>as</a:t>
+            </a:r>
+            <a:r>
+              <a:rPr>
+                <a:solidFill>
+                  <a:srgbClr val="003B4F"/>
+                </a:solidFill>
+                <a:latin typeface="Courier"/>
+              </a:rPr>
+              <a:t> pd</a:t>
+            </a:r>
+            <a:br/>
+            <a:br/>
+            <a:r>
+              <a:rPr>
+                <a:solidFill>
+                  <a:srgbClr val="003B4F"/>
+                </a:solidFill>
+                <a:latin typeface="Courier"/>
+              </a:rPr>
+              <a:t>data </a:t>
+            </a:r>
+            <a:r>
+              <a:rPr>
+                <a:solidFill>
+                  <a:srgbClr val="5E5E5E"/>
+                </a:solidFill>
+                <a:latin typeface="Courier"/>
+              </a:rPr>
+              <a:t>=</a:t>
+            </a:r>
+            <a:r>
+              <a:rPr>
+                <a:solidFill>
+                  <a:srgbClr val="003B4F"/>
+                </a:solidFill>
+                <a:latin typeface="Courier"/>
+              </a:rPr>
+              <a:t> pd.read_csv(</a:t>
+            </a:r>
+            <a:r>
+              <a:rPr>
+                <a:solidFill>
+                  <a:srgbClr val="20794D"/>
+                </a:solidFill>
+                <a:latin typeface="Courier"/>
+              </a:rPr>
+              <a:t>'data.csv'</a:t>
+            </a:r>
+            <a:r>
+              <a:rPr>
+                <a:solidFill>
+                  <a:srgbClr val="003B4F"/>
+                </a:solidFill>
+                <a:latin typeface="Courier"/>
+              </a:rPr>
+              <a:t>)</a:t>
+            </a:r>
+            <a:br/>
+            <a:r>
+              <a:rPr>
+                <a:solidFill>
+                  <a:srgbClr val="003B4F"/>
+                </a:solidFill>
+                <a:latin typeface="Courier"/>
+              </a:rPr>
+              <a:t>result </a:t>
+            </a:r>
+            <a:r>
+              <a:rPr>
+                <a:solidFill>
+                  <a:srgbClr val="5E5E5E"/>
+                </a:solidFill>
+                <a:latin typeface="Courier"/>
+              </a:rPr>
+              <a:t>=</a:t>
+            </a:r>
+            <a:r>
+              <a:rPr>
+                <a:solidFill>
+                  <a:srgbClr val="003B4F"/>
+                </a:solidFill>
+                <a:latin typeface="Courier"/>
+              </a:rPr>
+              <a:t> data.describe()</a:t>
+            </a:r>
+            <a:br/>
+            <a:r>
+              <a:rPr>
+                <a:solidFill>
+                  <a:srgbClr val="003B4F"/>
+                </a:solidFill>
+                <a:latin typeface="Courier"/>
+              </a:rPr>
+              <a:t>print(result)</a:t>
+            </a:r>
+          </a:p>
+        </p:txBody>
+      </p:sp>
+      <p:sp>
+        <p:nvSpPr>
+          <p:cNvPr id="4" name="Content Placeholder 3"/>
+          <p:cNvSpPr>
+            <a:spLocks noGrp="1"/>
+          </p:cNvSpPr>
+          <p:nvPr>
+            <p:ph idx="2" sz="half"/>
+          </p:nvPr>
+        </p:nvSpPr>
+        <p:spPr/>
+        <p:txBody>
+          <a:bodyPr/>
+          <a:lstStyle/>
+          <a:p>
+            <a:pPr lvl="0" indent="0" marL="0">
+              <a:buNone/>
+            </a:pPr>
+            <a:r>
+              <a:rPr b="1"/>
+              <a:t>After: Python Script</a:t>
+            </a:r>
+          </a:p>
+          <a:p>
+            <a:pPr lvl="0" indent="0">
+              <a:buNone/>
+            </a:pPr>
+            <a:r>
+              <a:rPr>
+                <a:solidFill>
+                  <a:srgbClr val="5E5E5E"/>
+                </a:solidFill>
+                <a:latin typeface="Courier"/>
+              </a:rPr>
+              <a:t># analysis.py</a:t>
+            </a:r>
+            <a:br/>
+            <a:r>
+              <a:rPr>
+                <a:solidFill>
+                  <a:srgbClr val="00769E"/>
+                </a:solidFill>
+                <a:latin typeface="Courier"/>
+              </a:rPr>
+              <a:t>import</a:t>
+            </a:r>
+            <a:r>
+              <a:rPr>
+                <a:solidFill>
+                  <a:srgbClr val="003B4F"/>
+                </a:solidFill>
+                <a:latin typeface="Courier"/>
+              </a:rPr>
+              <a:t> pandas </a:t>
+            </a:r>
+            <a:r>
+              <a:rPr>
+                <a:solidFill>
+                  <a:srgbClr val="00769E"/>
+                </a:solidFill>
+                <a:latin typeface="Courier"/>
+              </a:rPr>
+              <a:t>as</a:t>
+            </a:r>
+            <a:r>
+              <a:rPr>
+                <a:solidFill>
+                  <a:srgbClr val="003B4F"/>
+                </a:solidFill>
+                <a:latin typeface="Courier"/>
+              </a:rPr>
+              <a:t> pd</a:t>
+            </a:r>
+            <a:br/>
+            <a:br/>
+            <a:r>
+              <a:rPr>
+                <a:solidFill>
+                  <a:srgbClr val="003B4F"/>
+                </a:solidFill>
+                <a:latin typeface="Courier"/>
+              </a:rPr>
+              <a:t>def analyse_data(file_path):</a:t>
+            </a:r>
+            <a:br/>
+            <a:r>
+              <a:rPr>
+                <a:solidFill>
+                  <a:srgbClr val="003B4F"/>
+                </a:solidFill>
+                <a:latin typeface="Courier"/>
+              </a:rPr>
+              <a:t>    data </a:t>
+            </a:r>
+            <a:r>
+              <a:rPr>
+                <a:solidFill>
+                  <a:srgbClr val="5E5E5E"/>
+                </a:solidFill>
+                <a:latin typeface="Courier"/>
+              </a:rPr>
+              <a:t>=</a:t>
+            </a:r>
+            <a:r>
+              <a:rPr>
+                <a:solidFill>
+                  <a:srgbClr val="003B4F"/>
+                </a:solidFill>
+                <a:latin typeface="Courier"/>
+              </a:rPr>
+              <a:t> pd.read_csv(file_path)</a:t>
+            </a:r>
+            <a:br/>
+            <a:r>
+              <a:rPr>
+                <a:solidFill>
+                  <a:srgbClr val="003B4F"/>
+                </a:solidFill>
+                <a:latin typeface="Courier"/>
+              </a:rPr>
+              <a:t>    result </a:t>
+            </a:r>
+            <a:r>
+              <a:rPr>
+                <a:solidFill>
+                  <a:srgbClr val="5E5E5E"/>
+                </a:solidFill>
+                <a:latin typeface="Courier"/>
+              </a:rPr>
+              <a:t>=</a:t>
+            </a:r>
+            <a:r>
+              <a:rPr>
+                <a:solidFill>
+                  <a:srgbClr val="003B4F"/>
+                </a:solidFill>
+                <a:latin typeface="Courier"/>
+              </a:rPr>
+              <a:t> data.describe()</a:t>
+            </a:r>
+            <a:br/>
+            <a:r>
+              <a:rPr>
+                <a:solidFill>
+                  <a:srgbClr val="003B4F"/>
+                </a:solidFill>
+                <a:latin typeface="Courier"/>
+              </a:rPr>
+              <a:t>    return result</a:t>
+            </a:r>
+            <a:br/>
+            <a:br/>
+            <a:r>
+              <a:rPr>
+                <a:solidFill>
+                  <a:srgbClr val="003B4F"/>
+                </a:solidFill>
+                <a:latin typeface="Courier"/>
+              </a:rPr>
+              <a:t>if </a:t>
+            </a:r>
+            <a:r>
+              <a:rPr>
+                <a:solidFill>
+                  <a:srgbClr val="111111"/>
+                </a:solidFill>
+                <a:latin typeface="Courier"/>
+              </a:rPr>
+              <a:t>__name__</a:t>
+            </a:r>
+            <a:r>
+              <a:rPr>
+                <a:solidFill>
+                  <a:srgbClr val="003B4F"/>
+                </a:solidFill>
+                <a:latin typeface="Courier"/>
+              </a:rPr>
+              <a:t> </a:t>
+            </a:r>
+            <a:r>
+              <a:rPr>
+                <a:solidFill>
+                  <a:srgbClr val="5E5E5E"/>
+                </a:solidFill>
+                <a:latin typeface="Courier"/>
+              </a:rPr>
+              <a:t>==</a:t>
+            </a:r>
+            <a:r>
+              <a:rPr>
+                <a:solidFill>
+                  <a:srgbClr val="003B4F"/>
+                </a:solidFill>
+                <a:latin typeface="Courier"/>
+              </a:rPr>
+              <a:t> </a:t>
+            </a:r>
+            <a:r>
+              <a:rPr>
+                <a:solidFill>
+                  <a:srgbClr val="20794D"/>
+                </a:solidFill>
+                <a:latin typeface="Courier"/>
+              </a:rPr>
+              <a:t>"__main__"</a:t>
+            </a:r>
+            <a:r>
+              <a:rPr>
+                <a:solidFill>
+                  <a:srgbClr val="003B4F"/>
+                </a:solidFill>
+                <a:latin typeface="Courier"/>
+              </a:rPr>
+              <a:t>:</a:t>
+            </a:r>
+            <a:br/>
+            <a:r>
+              <a:rPr>
+                <a:solidFill>
+                  <a:srgbClr val="003B4F"/>
+                </a:solidFill>
+                <a:latin typeface="Courier"/>
+              </a:rPr>
+              <a:t>    result </a:t>
+            </a:r>
+            <a:r>
+              <a:rPr>
+                <a:solidFill>
+                  <a:srgbClr val="5E5E5E"/>
+                </a:solidFill>
+                <a:latin typeface="Courier"/>
+              </a:rPr>
+              <a:t>=</a:t>
+            </a:r>
+            <a:r>
+              <a:rPr>
+                <a:solidFill>
+                  <a:srgbClr val="003B4F"/>
+                </a:solidFill>
+                <a:latin typeface="Courier"/>
+              </a:rPr>
+              <a:t> analyse_data(</a:t>
+            </a:r>
+            <a:r>
+              <a:rPr>
+                <a:solidFill>
+                  <a:srgbClr val="20794D"/>
+                </a:solidFill>
+                <a:latin typeface="Courier"/>
+              </a:rPr>
+              <a:t>'data.csv'</a:t>
+            </a:r>
+            <a:r>
+              <a:rPr>
+                <a:solidFill>
+                  <a:srgbClr val="003B4F"/>
+                </a:solidFill>
+                <a:latin typeface="Courier"/>
+              </a:rPr>
+              <a:t>)</a:t>
+            </a:r>
+            <a:br/>
+            <a:r>
+              <a:rPr>
+                <a:solidFill>
+                  <a:srgbClr val="003B4F"/>
+                </a:solidFill>
+                <a:latin typeface="Courier"/>
+              </a:rPr>
+              <a:t>    print(result)</a:t>
             </a:r>
           </a:p>
         </p:txBody>
@@ -5378,7 +5793,7 @@
             </a:pPr>
             <a:r>
               <a:rPr/>
-              <a:t>Example: README.md</a:t>
+              <a:t>Using GitHub to Share Your Project</a:t>
             </a:r>
           </a:p>
         </p:txBody>
@@ -5398,207 +5813,33 @@
           <a:bodyPr/>
           <a:lstStyle/>
           <a:p>
-            <a:pPr lvl="0" indent="0">
+            <a:pPr lvl="0" indent="0" marL="0">
               <a:buNone/>
             </a:pPr>
             <a:r>
-              <a:rPr>
-                <a:solidFill>
-                  <a:srgbClr val="4758AB"/>
-                </a:solidFill>
-                <a:latin typeface="Courier"/>
-              </a:rPr>
-              <a:t># Project Title</a:t>
-            </a:r>
-            <a:br/>
-            <a:br/>
-            <a:r>
-              <a:rPr>
-                <a:solidFill>
-                  <a:srgbClr val="4758AB"/>
-                </a:solidFill>
-                <a:latin typeface="Courier"/>
-              </a:rPr>
-              <a:t>## Overview</a:t>
-            </a:r>
-            <a:br/>
-            <a:r>
-              <a:rPr>
-                <a:solidFill>
-                  <a:srgbClr val="003B4F"/>
-                </a:solidFill>
-                <a:latin typeface="Courier"/>
-              </a:rPr>
-              <a:t>Brief description of your project.</a:t>
-            </a:r>
-            <a:br/>
-            <a:br/>
-            <a:r>
-              <a:rPr>
-                <a:solidFill>
-                  <a:srgbClr val="4758AB"/>
-                </a:solidFill>
-                <a:latin typeface="Courier"/>
-              </a:rPr>
-              <a:t>## Installation</a:t>
-            </a:r>
-            <a:br/>
-            <a:r>
-              <a:rPr>
-                <a:solidFill>
-                  <a:srgbClr val="5E5E5E"/>
-                </a:solidFill>
-                <a:latin typeface="Courier"/>
-              </a:rPr>
-              <a:t>```bash</a:t>
-            </a:r>
-            <a:br/>
-            <a:r>
-              <a:rPr>
-                <a:solidFill>
-                  <a:srgbClr val="003B4F"/>
-                </a:solidFill>
-                <a:latin typeface="Courier"/>
-              </a:rPr>
-              <a:t>pip install your_project</a:t>
-            </a:r>
-          </a:p>
-          <a:p>
-            <a:pPr lvl="0" indent="0" marL="0">
-              <a:spcBef>
-                <a:spcPts val="3000"/>
-              </a:spcBef>
-              <a:buNone/>
-            </a:pPr>
-            <a:r>
               <a:rPr b="1"/>
-              <a:t>Usage</a:t>
-            </a:r>
-          </a:p>
-          <a:p>
-            <a:pPr lvl="0" indent="0">
-              <a:buNone/>
-            </a:pPr>
-            <a:r>
-              <a:rPr>
-                <a:solidFill>
-                  <a:srgbClr val="00769E"/>
-                </a:solidFill>
-                <a:latin typeface="Courier"/>
-              </a:rPr>
-              <a:t>from</a:t>
-            </a:r>
-            <a:r>
-              <a:rPr>
-                <a:solidFill>
-                  <a:srgbClr val="003B4F"/>
-                </a:solidFill>
-                <a:latin typeface="Courier"/>
-              </a:rPr>
-              <a:t> your_project </a:t>
-            </a:r>
-            <a:r>
-              <a:rPr>
-                <a:solidFill>
-                  <a:srgbClr val="00769E"/>
-                </a:solidFill>
-                <a:latin typeface="Courier"/>
-              </a:rPr>
-              <a:t>import</a:t>
-            </a:r>
-            <a:r>
-              <a:rPr>
-                <a:solidFill>
-                  <a:srgbClr val="003B4F"/>
-                </a:solidFill>
-                <a:latin typeface="Courier"/>
-              </a:rPr>
-              <a:t> your_function</a:t>
-            </a:r>
-            <a:br/>
-            <a:r>
-              <a:rPr>
-                <a:solidFill>
-                  <a:srgbClr val="003B4F"/>
-                </a:solidFill>
-                <a:latin typeface="Courier"/>
-              </a:rPr>
-              <a:t>result </a:t>
-            </a:r>
-            <a:r>
-              <a:rPr>
-                <a:solidFill>
-                  <a:srgbClr val="5E5E5E"/>
-                </a:solidFill>
-                <a:latin typeface="Courier"/>
-              </a:rPr>
-              <a:t>=</a:t>
-            </a:r>
-            <a:r>
-              <a:rPr>
-                <a:solidFill>
-                  <a:srgbClr val="003B4F"/>
-                </a:solidFill>
-                <a:latin typeface="Courier"/>
-              </a:rPr>
-              <a:t> your_function()</a:t>
-            </a:r>
-            <a:br/>
-            <a:r>
-              <a:rPr>
-                <a:solidFill>
-                  <a:srgbClr val="003B4F"/>
-                </a:solidFill>
-                <a:latin typeface="Courier"/>
-              </a:rPr>
-              <a:t>print(result)</a:t>
-            </a:r>
-          </a:p>
-          <a:p>
-            <a:pPr lvl="0" indent="0" marL="0">
-              <a:spcBef>
-                <a:spcPts val="3000"/>
-              </a:spcBef>
-              <a:buNone/>
-            </a:pPr>
-            <a:r>
-              <a:rPr b="1"/>
-              <a:t>Features</a:t>
+              <a:t>Why Use GitHub?</a:t>
             </a:r>
           </a:p>
           <a:p>
             <a:pPr lvl="0"/>
             <a:r>
               <a:rPr/>
-              <a:t>Feature 1</a:t>
+              <a:t>Version control with Git</a:t>
             </a:r>
           </a:p>
           <a:p>
             <a:pPr lvl="0"/>
             <a:r>
               <a:rPr/>
-              <a:t>Feature 2</a:t>
-            </a:r>
-          </a:p>
-          <a:p>
-            <a:pPr lvl="0" indent="0" marL="0">
-              <a:spcBef>
-                <a:spcPts val="3000"/>
-              </a:spcBef>
-              <a:buNone/>
-            </a:pPr>
-            <a:r>
-              <a:rPr b="1"/>
-              <a:t>License</a:t>
-            </a:r>
-          </a:p>
-          <a:p>
-            <a:pPr lvl="0" indent="0" marL="0">
-              <a:buNone/>
-            </a:pPr>
+              <a:t>Share code with the world</a:t>
+            </a:r>
+          </a:p>
+          <a:p>
+            <a:pPr lvl="0"/>
             <a:r>
               <a:rPr/>
-              <a:t>MIT ```</a:t>
+              <a:t>Collaborate on projects</a:t>
             </a:r>
           </a:p>
         </p:txBody>
@@ -5688,6 +5929,740 @@
             </a:pPr>
             <a:r>
               <a:rPr/>
+              <a:t>Setting Up a GitHub Repository</a:t>
+            </a:r>
+          </a:p>
+        </p:txBody>
+      </p:sp>
+      <p:sp>
+        <p:nvSpPr>
+          <p:cNvPr id="3" name="Content Placeholder 2"/>
+          <p:cNvSpPr>
+            <a:spLocks noGrp="1"/>
+          </p:cNvSpPr>
+          <p:nvPr>
+            <p:ph idx="1"/>
+          </p:nvPr>
+        </p:nvSpPr>
+        <p:spPr/>
+        <p:txBody>
+          <a:bodyPr/>
+          <a:lstStyle/>
+          <a:p>
+            <a:pPr lvl="0" indent="-457200" marL="457200">
+              <a:buAutoNum type="arabicPeriod"/>
+            </a:pPr>
+            <a:r>
+              <a:rPr/>
+              <a:t>Create a GitHub account</a:t>
+            </a:r>
+          </a:p>
+          <a:p>
+            <a:pPr lvl="0" indent="-457200" marL="457200">
+              <a:buAutoNum type="arabicPeriod"/>
+            </a:pPr>
+            <a:r>
+              <a:rPr/>
+              <a:t>Create a new repository</a:t>
+            </a:r>
+          </a:p>
+          <a:p>
+            <a:pPr lvl="0" indent="-457200" marL="457200">
+              <a:buAutoNum type="arabicPeriod"/>
+            </a:pPr>
+            <a:r>
+              <a:rPr/>
+              <a:t>Clone the repository to your local machine</a:t>
+            </a:r>
+          </a:p>
+          <a:p>
+            <a:pPr lvl="0" indent="-457200" marL="457200">
+              <a:buAutoNum type="arabicPeriod"/>
+            </a:pPr>
+            <a:r>
+              <a:rPr/>
+              <a:t>Add your project files</a:t>
+            </a:r>
+          </a:p>
+          <a:p>
+            <a:pPr lvl="0" indent="-457200" marL="457200">
+              <a:buAutoNum type="arabicPeriod"/>
+            </a:pPr>
+            <a:r>
+              <a:rPr/>
+              <a:t>Commit and push your changes</a:t>
+            </a:r>
+          </a:p>
+        </p:txBody>
+      </p:sp>
+      <p:sp>
+        <p:nvSpPr>
+          <p:cNvPr id="11" name="Footer Placeholder 4"/>
+          <p:cNvSpPr>
+            <a:spLocks noGrp="1"/>
+          </p:cNvSpPr>
+          <p:nvPr>
+            <p:ph idx="3" sz="quarter" type="ftr"/>
+          </p:nvPr>
+        </p:nvSpPr>
+        <p:spPr>
+          <a:xfrm>
+            <a:off x="0" y="6446837"/>
+            <a:ext cx="10032642" cy="365125"/>
+          </a:xfrm>
+          <a:prstGeom prst="rect">
+            <a:avLst/>
+          </a:prstGeom>
+        </p:spPr>
+        <p:txBody>
+          <a:bodyPr anchor="ctr" bIns="45720" lIns="91440" rIns="91440" rtlCol="0" tIns="45720" vert="horz"/>
+          <a:lstStyle>
+            <a:lvl1pPr algn="l">
+              <a:defRPr baseline="0" cap="none" sz="1400">
+                <a:solidFill>
+                  <a:srgbClr val="FFFFFF"/>
+                </a:solidFill>
+                <a:latin typeface="+mn-lt"/>
+              </a:defRPr>
+            </a:lvl1pPr>
+          </a:lstStyle>
+          <a:p>
+            <a:r>
+              <a:rPr b="1" dirty="0" lang="en-AU"/>
+              <a:t>Faculty of Business and Law </a:t>
+            </a:r>
+            <a:r>
+              <a:rPr dirty="0" lang="en-AU"/>
+              <a:t>| School of Marketing and Management</a:t>
+            </a:r>
+          </a:p>
+        </p:txBody>
+      </p:sp>
+    </p:spTree>
+  </p:cSld>
+</p:sld>
+</file>
+
+<file path=ppt/slides/slide13.xml><?xml version="1.0" encoding="utf-8"?>
+<p:sld xmlns:a="http://schemas.openxmlformats.org/drawingml/2006/main" xmlns:r="http://schemas.openxmlformats.org/officeDocument/2006/relationships" xmlns:p="http://schemas.openxmlformats.org/presentationml/2006/main">
+  <p:cSld>
+    <p:spTree>
+      <p:nvGrpSpPr>
+        <p:cNvPr id="1" name=""/>
+        <p:cNvGrpSpPr/>
+        <p:nvPr/>
+      </p:nvGrpSpPr>
+      <p:grpSpPr>
+        <a:xfrm>
+          <a:off x="0" y="0"/>
+          <a:ext cx="0" cy="0"/>
+          <a:chOff x="0" y="0"/>
+          <a:chExt cx="0" cy="0"/>
+        </a:xfrm>
+      </p:grpSpPr>
+      <p:sp>
+        <p:nvSpPr>
+          <p:cNvPr id="2" name="Title 1"/>
+          <p:cNvSpPr>
+            <a:spLocks noGrp="1"/>
+          </p:cNvSpPr>
+          <p:nvPr>
+            <p:ph type="title"/>
+          </p:nvPr>
+        </p:nvSpPr>
+        <p:spPr/>
+        <p:txBody>
+          <a:bodyPr/>
+          <a:lstStyle/>
+          <a:p>
+            <a:pPr lvl="0" indent="0" marL="0">
+              <a:buNone/>
+            </a:pPr>
+            <a:r>
+              <a:rPr/>
+              <a:t>Example: Git Commands</a:t>
+            </a:r>
+          </a:p>
+        </p:txBody>
+      </p:sp>
+      <p:sp>
+        <p:nvSpPr>
+          <p:cNvPr id="3" name="Content Placeholder 2"/>
+          <p:cNvSpPr>
+            <a:spLocks noGrp="1"/>
+          </p:cNvSpPr>
+          <p:nvPr>
+            <p:ph idx="1"/>
+          </p:nvPr>
+        </p:nvSpPr>
+        <p:spPr/>
+        <p:txBody>
+          <a:bodyPr/>
+          <a:lstStyle/>
+          <a:p>
+            <a:pPr lvl="0" indent="0" marL="0">
+              <a:buNone/>
+            </a:pPr>
+            <a:r>
+              <a:rPr b="1"/>
+              <a:t>Initialise and Push to GitHub</a:t>
+            </a:r>
+          </a:p>
+          <a:p>
+            <a:pPr lvl="0" indent="0">
+              <a:buNone/>
+            </a:pPr>
+            <a:r>
+              <a:rPr>
+                <a:solidFill>
+                  <a:srgbClr val="5E5E5E"/>
+                </a:solidFill>
+                <a:latin typeface="Courier"/>
+              </a:rPr>
+              <a:t># Initialise git in your project directory</a:t>
+            </a:r>
+            <a:br/>
+            <a:r>
+              <a:rPr>
+                <a:solidFill>
+                  <a:srgbClr val="4758AB"/>
+                </a:solidFill>
+                <a:latin typeface="Courier"/>
+              </a:rPr>
+              <a:t>git</a:t>
+            </a:r>
+            <a:r>
+              <a:rPr>
+                <a:solidFill>
+                  <a:srgbClr val="003B4F"/>
+                </a:solidFill>
+                <a:latin typeface="Courier"/>
+              </a:rPr>
+              <a:t> init</a:t>
+            </a:r>
+            <a:br/>
+            <a:br/>
+            <a:r>
+              <a:rPr>
+                <a:solidFill>
+                  <a:srgbClr val="5E5E5E"/>
+                </a:solidFill>
+                <a:latin typeface="Courier"/>
+              </a:rPr>
+              <a:t># Add your files to the repository</a:t>
+            </a:r>
+            <a:br/>
+            <a:r>
+              <a:rPr>
+                <a:solidFill>
+                  <a:srgbClr val="4758AB"/>
+                </a:solidFill>
+                <a:latin typeface="Courier"/>
+              </a:rPr>
+              <a:t>git</a:t>
+            </a:r>
+            <a:r>
+              <a:rPr>
+                <a:solidFill>
+                  <a:srgbClr val="003B4F"/>
+                </a:solidFill>
+                <a:latin typeface="Courier"/>
+              </a:rPr>
+              <a:t> add .</a:t>
+            </a:r>
+            <a:br/>
+            <a:br/>
+            <a:r>
+              <a:rPr>
+                <a:solidFill>
+                  <a:srgbClr val="5E5E5E"/>
+                </a:solidFill>
+                <a:latin typeface="Courier"/>
+              </a:rPr>
+              <a:t># Commit your changes</a:t>
+            </a:r>
+            <a:br/>
+            <a:r>
+              <a:rPr>
+                <a:solidFill>
+                  <a:srgbClr val="4758AB"/>
+                </a:solidFill>
+                <a:latin typeface="Courier"/>
+              </a:rPr>
+              <a:t>git</a:t>
+            </a:r>
+            <a:r>
+              <a:rPr>
+                <a:solidFill>
+                  <a:srgbClr val="003B4F"/>
+                </a:solidFill>
+                <a:latin typeface="Courier"/>
+              </a:rPr>
+              <a:t> commit </a:t>
+            </a:r>
+            <a:r>
+              <a:rPr>
+                <a:solidFill>
+                  <a:srgbClr val="657422"/>
+                </a:solidFill>
+                <a:latin typeface="Courier"/>
+              </a:rPr>
+              <a:t>-m</a:t>
+            </a:r>
+            <a:r>
+              <a:rPr>
+                <a:solidFill>
+                  <a:srgbClr val="003B4F"/>
+                </a:solidFill>
+                <a:latin typeface="Courier"/>
+              </a:rPr>
+              <a:t> </a:t>
+            </a:r>
+            <a:r>
+              <a:rPr>
+                <a:solidFill>
+                  <a:srgbClr val="20794D"/>
+                </a:solidFill>
+                <a:latin typeface="Courier"/>
+              </a:rPr>
+              <a:t>"Initial commit"</a:t>
+            </a:r>
+            <a:br/>
+            <a:br/>
+            <a:r>
+              <a:rPr>
+                <a:solidFill>
+                  <a:srgbClr val="5E5E5E"/>
+                </a:solidFill>
+                <a:latin typeface="Courier"/>
+              </a:rPr>
+              <a:t># Add the remote repository URL</a:t>
+            </a:r>
+            <a:br/>
+            <a:r>
+              <a:rPr>
+                <a:solidFill>
+                  <a:srgbClr val="4758AB"/>
+                </a:solidFill>
+                <a:latin typeface="Courier"/>
+              </a:rPr>
+              <a:t>git</a:t>
+            </a:r>
+            <a:r>
+              <a:rPr>
+                <a:solidFill>
+                  <a:srgbClr val="003B4F"/>
+                </a:solidFill>
+                <a:latin typeface="Courier"/>
+              </a:rPr>
+              <a:t> remote add origin https://github.com/yourusername/yourrepository.git</a:t>
+            </a:r>
+            <a:br/>
+            <a:br/>
+            <a:r>
+              <a:rPr>
+                <a:solidFill>
+                  <a:srgbClr val="5E5E5E"/>
+                </a:solidFill>
+                <a:latin typeface="Courier"/>
+              </a:rPr>
+              <a:t># Push your changes to GitHub</a:t>
+            </a:r>
+            <a:br/>
+            <a:r>
+              <a:rPr>
+                <a:solidFill>
+                  <a:srgbClr val="4758AB"/>
+                </a:solidFill>
+                <a:latin typeface="Courier"/>
+              </a:rPr>
+              <a:t>git</a:t>
+            </a:r>
+            <a:r>
+              <a:rPr>
+                <a:solidFill>
+                  <a:srgbClr val="003B4F"/>
+                </a:solidFill>
+                <a:latin typeface="Courier"/>
+              </a:rPr>
+              <a:t> push </a:t>
+            </a:r>
+            <a:r>
+              <a:rPr>
+                <a:solidFill>
+                  <a:srgbClr val="657422"/>
+                </a:solidFill>
+                <a:latin typeface="Courier"/>
+              </a:rPr>
+              <a:t>-u</a:t>
+            </a:r>
+            <a:r>
+              <a:rPr>
+                <a:solidFill>
+                  <a:srgbClr val="003B4F"/>
+                </a:solidFill>
+                <a:latin typeface="Courier"/>
+              </a:rPr>
+              <a:t> origin master</a:t>
+            </a:r>
+          </a:p>
+        </p:txBody>
+      </p:sp>
+      <p:sp>
+        <p:nvSpPr>
+          <p:cNvPr id="11" name="Footer Placeholder 4"/>
+          <p:cNvSpPr>
+            <a:spLocks noGrp="1"/>
+          </p:cNvSpPr>
+          <p:nvPr>
+            <p:ph idx="3" sz="quarter" type="ftr"/>
+          </p:nvPr>
+        </p:nvSpPr>
+        <p:spPr>
+          <a:xfrm>
+            <a:off x="0" y="6446837"/>
+            <a:ext cx="10032642" cy="365125"/>
+          </a:xfrm>
+          <a:prstGeom prst="rect">
+            <a:avLst/>
+          </a:prstGeom>
+        </p:spPr>
+        <p:txBody>
+          <a:bodyPr anchor="ctr" bIns="45720" lIns="91440" rIns="91440" rtlCol="0" tIns="45720" vert="horz"/>
+          <a:lstStyle>
+            <a:lvl1pPr algn="l">
+              <a:defRPr baseline="0" cap="none" sz="1400">
+                <a:solidFill>
+                  <a:srgbClr val="FFFFFF"/>
+                </a:solidFill>
+                <a:latin typeface="+mn-lt"/>
+              </a:defRPr>
+            </a:lvl1pPr>
+          </a:lstStyle>
+          <a:p>
+            <a:r>
+              <a:rPr b="1" dirty="0" lang="en-AU"/>
+              <a:t>Faculty of Business and Law </a:t>
+            </a:r>
+            <a:r>
+              <a:rPr dirty="0" lang="en-AU"/>
+              <a:t>| School of Marketing and Management</a:t>
+            </a:r>
+          </a:p>
+        </p:txBody>
+      </p:sp>
+    </p:spTree>
+  </p:cSld>
+</p:sld>
+</file>
+
+<file path=ppt/slides/slide14.xml><?xml version="1.0" encoding="utf-8"?>
+<p:sld xmlns:a="http://schemas.openxmlformats.org/drawingml/2006/main" xmlns:r="http://schemas.openxmlformats.org/officeDocument/2006/relationships" xmlns:p="http://schemas.openxmlformats.org/presentationml/2006/main">
+  <p:cSld>
+    <p:spTree>
+      <p:nvGrpSpPr>
+        <p:cNvPr id="1" name=""/>
+        <p:cNvGrpSpPr/>
+        <p:nvPr/>
+      </p:nvGrpSpPr>
+      <p:grpSpPr>
+        <a:xfrm>
+          <a:off x="0" y="0"/>
+          <a:ext cx="0" cy="0"/>
+          <a:chOff x="0" y="0"/>
+          <a:chExt cx="0" cy="0"/>
+        </a:xfrm>
+      </p:grpSpPr>
+      <p:sp>
+        <p:nvSpPr>
+          <p:cNvPr id="2" name="Title 1"/>
+          <p:cNvSpPr>
+            <a:spLocks noGrp="1"/>
+          </p:cNvSpPr>
+          <p:nvPr>
+            <p:ph type="title"/>
+          </p:nvPr>
+        </p:nvSpPr>
+        <p:spPr/>
+        <p:txBody>
+          <a:bodyPr/>
+          <a:lstStyle/>
+          <a:p>
+            <a:pPr lvl="0" indent="0" marL="0">
+              <a:buNone/>
+            </a:pPr>
+            <a:r>
+              <a:rPr/>
+              <a:t>Creating a README.md</a:t>
+            </a:r>
+          </a:p>
+        </p:txBody>
+      </p:sp>
+      <p:sp>
+        <p:nvSpPr>
+          <p:cNvPr id="3" name="Content Placeholder 2"/>
+          <p:cNvSpPr>
+            <a:spLocks noGrp="1"/>
+          </p:cNvSpPr>
+          <p:nvPr>
+            <p:ph idx="1"/>
+          </p:nvPr>
+        </p:nvSpPr>
+        <p:spPr/>
+        <p:txBody>
+          <a:bodyPr/>
+          <a:lstStyle/>
+          <a:p>
+            <a:pPr lvl="0" indent="0" marL="0">
+              <a:buNone/>
+            </a:pPr>
+            <a:r>
+              <a:rPr b="1"/>
+              <a:t>Why Include a README.md?</a:t>
+            </a:r>
+          </a:p>
+          <a:p>
+            <a:pPr lvl="0"/>
+            <a:r>
+              <a:rPr/>
+              <a:t>Provide an overview of your project</a:t>
+            </a:r>
+          </a:p>
+          <a:p>
+            <a:pPr lvl="0"/>
+            <a:r>
+              <a:rPr/>
+              <a:t>Explain how to install and use it</a:t>
+            </a:r>
+          </a:p>
+          <a:p>
+            <a:pPr lvl="0"/>
+            <a:r>
+              <a:rPr/>
+              <a:t>Highlight key features and dependencies</a:t>
+            </a:r>
+          </a:p>
+        </p:txBody>
+      </p:sp>
+      <p:sp>
+        <p:nvSpPr>
+          <p:cNvPr id="11" name="Footer Placeholder 4"/>
+          <p:cNvSpPr>
+            <a:spLocks noGrp="1"/>
+          </p:cNvSpPr>
+          <p:nvPr>
+            <p:ph idx="3" sz="quarter" type="ftr"/>
+          </p:nvPr>
+        </p:nvSpPr>
+        <p:spPr>
+          <a:xfrm>
+            <a:off x="0" y="6446837"/>
+            <a:ext cx="10032642" cy="365125"/>
+          </a:xfrm>
+          <a:prstGeom prst="rect">
+            <a:avLst/>
+          </a:prstGeom>
+        </p:spPr>
+        <p:txBody>
+          <a:bodyPr anchor="ctr" bIns="45720" lIns="91440" rIns="91440" rtlCol="0" tIns="45720" vert="horz"/>
+          <a:lstStyle>
+            <a:lvl1pPr algn="l">
+              <a:defRPr baseline="0" cap="none" sz="1400">
+                <a:solidFill>
+                  <a:srgbClr val="FFFFFF"/>
+                </a:solidFill>
+                <a:latin typeface="+mn-lt"/>
+              </a:defRPr>
+            </a:lvl1pPr>
+          </a:lstStyle>
+          <a:p>
+            <a:r>
+              <a:rPr b="1" dirty="0" lang="en-AU"/>
+              <a:t>Faculty of Business and Law </a:t>
+            </a:r>
+            <a:r>
+              <a:rPr dirty="0" lang="en-AU"/>
+              <a:t>| School of Marketing and Management</a:t>
+            </a:r>
+          </a:p>
+        </p:txBody>
+      </p:sp>
+    </p:spTree>
+  </p:cSld>
+</p:sld>
+</file>
+
+<file path=ppt/slides/slide15.xml><?xml version="1.0" encoding="utf-8"?>
+<p:sld xmlns:a="http://schemas.openxmlformats.org/drawingml/2006/main" xmlns:r="http://schemas.openxmlformats.org/officeDocument/2006/relationships" xmlns:p="http://schemas.openxmlformats.org/presentationml/2006/main">
+  <p:cSld>
+    <p:spTree>
+      <p:nvGrpSpPr>
+        <p:cNvPr id="1" name=""/>
+        <p:cNvGrpSpPr/>
+        <p:nvPr/>
+      </p:nvGrpSpPr>
+      <p:grpSpPr>
+        <a:xfrm>
+          <a:off x="0" y="0"/>
+          <a:ext cx="0" cy="0"/>
+          <a:chOff x="0" y="0"/>
+          <a:chExt cx="0" cy="0"/>
+        </a:xfrm>
+      </p:grpSpPr>
+      <p:sp>
+        <p:nvSpPr>
+          <p:cNvPr id="2" name="Title 1"/>
+          <p:cNvSpPr>
+            <a:spLocks noGrp="1"/>
+          </p:cNvSpPr>
+          <p:nvPr>
+            <p:ph type="title"/>
+          </p:nvPr>
+        </p:nvSpPr>
+        <p:spPr/>
+        <p:txBody>
+          <a:bodyPr/>
+          <a:lstStyle/>
+          <a:p>
+            <a:pPr lvl="0" indent="0" marL="0">
+              <a:buNone/>
+            </a:pPr>
+            <a:r>
+              <a:rPr/>
+              <a:t>Example: README.md</a:t>
+            </a:r>
+          </a:p>
+        </p:txBody>
+      </p:sp>
+      <p:sp>
+        <p:nvSpPr>
+          <p:cNvPr id="3" name="Content Placeholder 2"/>
+          <p:cNvSpPr>
+            <a:spLocks noGrp="1"/>
+          </p:cNvSpPr>
+          <p:nvPr>
+            <p:ph idx="1"/>
+          </p:nvPr>
+        </p:nvSpPr>
+        <p:spPr/>
+        <p:txBody>
+          <a:bodyPr/>
+          <a:lstStyle/>
+          <a:p>
+            <a:pPr lvl="0" indent="0">
+              <a:buNone/>
+            </a:pPr>
+            <a:r>
+              <a:rPr>
+                <a:latin typeface="Courier"/>
+              </a:rPr>
+              <a:t>  # Project Title
+  ## Overview
+  Brief description of your project.
+  ## Installation
+  ```bash
+  pip install your_project
+  ```
+  ## Usage
+  ```python
+  from your_project import your_function
+  result = your_function()
+  print(result)
+  ```
+  ## Features
+  - Feature 1
+  - Feature 2
+  ## License
+  MIT</a:t>
+            </a:r>
+          </a:p>
+        </p:txBody>
+      </p:sp>
+      <p:sp>
+        <p:nvSpPr>
+          <p:cNvPr id="11" name="Footer Placeholder 4"/>
+          <p:cNvSpPr>
+            <a:spLocks noGrp="1"/>
+          </p:cNvSpPr>
+          <p:nvPr>
+            <p:ph idx="3" sz="quarter" type="ftr"/>
+          </p:nvPr>
+        </p:nvSpPr>
+        <p:spPr>
+          <a:xfrm>
+            <a:off x="0" y="6446837"/>
+            <a:ext cx="10032642" cy="365125"/>
+          </a:xfrm>
+          <a:prstGeom prst="rect">
+            <a:avLst/>
+          </a:prstGeom>
+        </p:spPr>
+        <p:txBody>
+          <a:bodyPr anchor="ctr" bIns="45720" lIns="91440" rIns="91440" rtlCol="0" tIns="45720" vert="horz"/>
+          <a:lstStyle>
+            <a:lvl1pPr algn="l">
+              <a:defRPr baseline="0" cap="none" sz="1400">
+                <a:solidFill>
+                  <a:srgbClr val="FFFFFF"/>
+                </a:solidFill>
+                <a:latin typeface="+mn-lt"/>
+              </a:defRPr>
+            </a:lvl1pPr>
+          </a:lstStyle>
+          <a:p>
+            <a:r>
+              <a:rPr b="1" dirty="0" lang="en-AU"/>
+              <a:t>Faculty of Business and Law </a:t>
+            </a:r>
+            <a:r>
+              <a:rPr dirty="0" lang="en-AU"/>
+              <a:t>| School of Marketing and Management</a:t>
+            </a:r>
+          </a:p>
+        </p:txBody>
+      </p:sp>
+    </p:spTree>
+  </p:cSld>
+</p:sld>
+</file>
+
+<file path=ppt/slides/slide16.xml><?xml version="1.0" encoding="utf-8"?>
+<p:sld xmlns:a="http://schemas.openxmlformats.org/drawingml/2006/main" xmlns:r="http://schemas.openxmlformats.org/officeDocument/2006/relationships" xmlns:p="http://schemas.openxmlformats.org/presentationml/2006/main">
+  <p:cSld>
+    <p:spTree>
+      <p:nvGrpSpPr>
+        <p:cNvPr id="1" name=""/>
+        <p:cNvGrpSpPr/>
+        <p:nvPr/>
+      </p:nvGrpSpPr>
+      <p:grpSpPr>
+        <a:xfrm>
+          <a:off x="0" y="0"/>
+          <a:ext cx="0" cy="0"/>
+          <a:chOff x="0" y="0"/>
+          <a:chExt cx="0" cy="0"/>
+        </a:xfrm>
+      </p:grpSpPr>
+      <p:sp>
+        <p:nvSpPr>
+          <p:cNvPr id="2" name="Title 1"/>
+          <p:cNvSpPr>
+            <a:spLocks noGrp="1"/>
+          </p:cNvSpPr>
+          <p:nvPr>
+            <p:ph type="title"/>
+          </p:nvPr>
+        </p:nvSpPr>
+        <p:spPr/>
+        <p:txBody>
+          <a:bodyPr/>
+          <a:lstStyle/>
+          <a:p>
+            <a:pPr lvl="0" indent="0" marL="0">
+              <a:buNone/>
+            </a:pPr>
+            <a:r>
+              <a:rPr/>
               <a:t>Summary</a:t>
             </a:r>
           </a:p>
@@ -5815,7 +6790,7 @@
             </a:pPr>
             <a:r>
               <a:rPr/>
-              <a:t>Python Workflows</a:t>
+              <a:t>Objectives</a:t>
             </a:r>
           </a:p>
         </p:txBody>
@@ -5838,28 +6813,28 @@
             <a:pPr lvl="0"/>
             <a:r>
               <a:rPr/>
-              <a:t>No one-size-fits-all solution; depends on project requirements, team size, data complexity, collaboration needs, and development speed.</a:t>
+              <a:t>Understand the strengths of Jupyter Notebooks for prototyping and analysis.</a:t>
             </a:r>
           </a:p>
           <a:p>
             <a:pPr lvl="0"/>
             <a:r>
               <a:rPr/>
-              <a:t>Use notebooks for exploratory data analysis and prototyping.</a:t>
+              <a:t>Learn why and how to transition to Python scripts for production.</a:t>
             </a:r>
           </a:p>
           <a:p>
             <a:pPr lvl="0"/>
             <a:r>
               <a:rPr/>
-              <a:t>Use Python scripts for long-term development and production code.</a:t>
+              <a:t>Introduce a step-by-step process for conversion.</a:t>
             </a:r>
           </a:p>
           <a:p>
             <a:pPr lvl="0"/>
             <a:r>
               <a:rPr/>
-              <a:t>Hybrid approaches combine benefits of both.</a:t>
+              <a:t>Discuss a practical example to illustrate the process.</a:t>
             </a:r>
           </a:p>
         </p:txBody>
@@ -5949,7 +6924,7 @@
             </a:pPr>
             <a:r>
               <a:rPr/>
-              <a:t>Hybrid Approach: Notebook-Based Workflows</a:t>
+              <a:t>Strengths of Jupyter Notebooks</a:t>
             </a:r>
           </a:p>
         </p:txBody>
@@ -5972,28 +6947,28 @@
             <a:pPr lvl="0"/>
             <a:r>
               <a:rPr/>
-              <a:t>Use notebooks for exploratory data analysis and prototyping.</a:t>
+              <a:t>Interactive and user-friendly environment.</a:t>
             </a:r>
           </a:p>
           <a:p>
             <a:pPr lvl="0"/>
             <a:r>
               <a:rPr/>
-              <a:t>Refactor the code into Python scripts for production.</a:t>
+              <a:t>Ideal for iterative development and rapid prototyping.</a:t>
             </a:r>
           </a:p>
           <a:p>
             <a:pPr lvl="0"/>
             <a:r>
               <a:rPr/>
-              <a:t>Maintain the interactive and flexible nature of notebooks for initial development.</a:t>
+              <a:t>Supports rich media outputs (graphs, charts, images).</a:t>
             </a:r>
           </a:p>
           <a:p>
             <a:pPr lvl="0"/>
             <a:r>
               <a:rPr/>
-              <a:t>Ensure the code is organised and efficient for long-term maintenance.</a:t>
+              <a:t>Easy to document code with markdown cells.</a:t>
             </a:r>
           </a:p>
         </p:txBody>
@@ -6083,7 +7058,7 @@
             </a:pPr>
             <a:r>
               <a:rPr/>
-              <a:t>Prototyping in Jupyter Notebooks</a:t>
+              <a:t>Limitations of Jupyter Notebooks</a:t>
             </a:r>
           </a:p>
         </p:txBody>
@@ -6103,16 +7078,31 @@
           <a:bodyPr/>
           <a:lstStyle/>
           <a:p>
-            <a:pPr lvl="0" indent="0" marL="0">
-              <a:buNone/>
-            </a:pPr>
-            <a:r>
-              <a:rPr b="1"/>
-              <a:t>Why Use Jupyter Notebooks?</a:t>
-            </a:r>
+            <a:pPr lvl="0"/>
             <a:r>
               <a:rPr/>
-              <a:t> - Interactive coding environment - Easy to test and debug code - Great for data analysis and visualisation</a:t>
+              <a:t>Difficult to manage large codebases.</a:t>
+            </a:r>
+          </a:p>
+          <a:p>
+            <a:pPr lvl="0"/>
+            <a:r>
+              <a:rPr/>
+              <a:t>Limited support for version control and collaboration.</a:t>
+            </a:r>
+          </a:p>
+          <a:p>
+            <a:pPr lvl="0"/>
+            <a:r>
+              <a:rPr/>
+              <a:t>Harder to modularize and reuse code.</a:t>
+            </a:r>
+          </a:p>
+          <a:p>
+            <a:pPr lvl="0"/>
+            <a:r>
+              <a:rPr/>
+              <a:t>Performance issues with large-scale applications.</a:t>
             </a:r>
           </a:p>
         </p:txBody>
@@ -6202,7 +7192,7 @@
             </a:pPr>
             <a:r>
               <a:rPr/>
-              <a:t>Refactoring Notebooks into Python Scripts</a:t>
+              <a:t>Strengths of Python Scripts</a:t>
             </a:r>
           </a:p>
         </p:txBody>
@@ -6222,16 +7212,31 @@
           <a:bodyPr/>
           <a:lstStyle/>
           <a:p>
-            <a:pPr lvl="0" indent="0" marL="0">
-              <a:buNone/>
-            </a:pPr>
-            <a:r>
-              <a:rPr b="1"/>
-              <a:t>Why Refactor?</a:t>
-            </a:r>
+            <a:pPr lvl="0"/>
             <a:r>
               <a:rPr/>
-              <a:t> - Organise and structure your code - Make it reusable and modular - Prepare for deployment and sharing</a:t>
+              <a:t>Better organization and modularization of code.</a:t>
+            </a:r>
+          </a:p>
+          <a:p>
+            <a:pPr lvl="0"/>
+            <a:r>
+              <a:rPr/>
+              <a:t>Improved performance and efficiency.</a:t>
+            </a:r>
+          </a:p>
+          <a:p>
+            <a:pPr lvl="0"/>
+            <a:r>
+              <a:rPr/>
+              <a:t>Easier integration with other systems and tools.</a:t>
+            </a:r>
+          </a:p>
+          <a:p>
+            <a:pPr lvl="0"/>
+            <a:r>
+              <a:rPr/>
+              <a:t>Enhanced support for version control and collaboration.</a:t>
             </a:r>
           </a:p>
         </p:txBody>
@@ -6321,7 +7326,7 @@
             </a:pPr>
             <a:r>
               <a:rPr/>
-              <a:t>Example: Refactoring a Notebook</a:t>
+              <a:t>Python Workflows</a:t>
             </a:r>
           </a:p>
         </p:txBody>
@@ -6341,406 +7346,31 @@
           <a:bodyPr/>
           <a:lstStyle/>
           <a:p>
-            <a:pPr lvl="0" indent="0" marL="0">
-              <a:buNone/>
-            </a:pPr>
-            <a:r>
-              <a:rPr b="1"/>
-              <a:t>Before: Jupyter Notebook</a:t>
-            </a:r>
-          </a:p>
-          <a:p>
-            <a:pPr lvl="0" indent="0">
-              <a:buNone/>
-            </a:pPr>
-            <a:r>
-              <a:rPr>
-                <a:solidFill>
-                  <a:srgbClr val="5E5E5E"/>
-                </a:solidFill>
-                <a:latin typeface="Courier"/>
-              </a:rPr>
-              <a:t># notebook.ipynb</a:t>
-            </a:r>
-            <a:br/>
-            <a:r>
-              <a:rPr>
-                <a:solidFill>
-                  <a:srgbClr val="00769E"/>
-                </a:solidFill>
-                <a:latin typeface="Courier"/>
-              </a:rPr>
-              <a:t>import</a:t>
-            </a:r>
-            <a:r>
-              <a:rPr>
-                <a:solidFill>
-                  <a:srgbClr val="003B4F"/>
-                </a:solidFill>
-                <a:latin typeface="Courier"/>
-              </a:rPr>
-              <a:t> pandas </a:t>
-            </a:r>
-            <a:r>
-              <a:rPr>
-                <a:solidFill>
-                  <a:srgbClr val="00769E"/>
-                </a:solidFill>
-                <a:latin typeface="Courier"/>
-              </a:rPr>
-              <a:t>as</a:t>
-            </a:r>
-            <a:r>
-              <a:rPr>
-                <a:solidFill>
-                  <a:srgbClr val="003B4F"/>
-                </a:solidFill>
-                <a:latin typeface="Courier"/>
-              </a:rPr>
-              <a:t> pd</a:t>
-            </a:r>
-            <a:br/>
-            <a:br/>
-            <a:r>
-              <a:rPr>
-                <a:solidFill>
-                  <a:srgbClr val="003B4F"/>
-                </a:solidFill>
-                <a:latin typeface="Courier"/>
-              </a:rPr>
-              <a:t>data </a:t>
-            </a:r>
-            <a:r>
-              <a:rPr>
-                <a:solidFill>
-                  <a:srgbClr val="5E5E5E"/>
-                </a:solidFill>
-                <a:latin typeface="Courier"/>
-              </a:rPr>
-              <a:t>=</a:t>
-            </a:r>
-            <a:r>
-              <a:rPr>
-                <a:solidFill>
-                  <a:srgbClr val="003B4F"/>
-                </a:solidFill>
-                <a:latin typeface="Courier"/>
-              </a:rPr>
-              <a:t> pd.read_csv(</a:t>
-            </a:r>
-            <a:r>
-              <a:rPr>
-                <a:solidFill>
-                  <a:srgbClr val="20794D"/>
-                </a:solidFill>
-                <a:latin typeface="Courier"/>
-              </a:rPr>
-              <a:t>'data.csv'</a:t>
-            </a:r>
-            <a:r>
-              <a:rPr>
-                <a:solidFill>
-                  <a:srgbClr val="003B4F"/>
-                </a:solidFill>
-                <a:latin typeface="Courier"/>
-              </a:rPr>
-              <a:t>)</a:t>
-            </a:r>
-            <a:br/>
-            <a:r>
-              <a:rPr>
-                <a:solidFill>
-                  <a:srgbClr val="003B4F"/>
-                </a:solidFill>
-                <a:latin typeface="Courier"/>
-              </a:rPr>
-              <a:t>result </a:t>
-            </a:r>
-            <a:r>
-              <a:rPr>
-                <a:solidFill>
-                  <a:srgbClr val="5E5E5E"/>
-                </a:solidFill>
-                <a:latin typeface="Courier"/>
-              </a:rPr>
-              <a:t>=</a:t>
-            </a:r>
-            <a:r>
-              <a:rPr>
-                <a:solidFill>
-                  <a:srgbClr val="003B4F"/>
-                </a:solidFill>
-                <a:latin typeface="Courier"/>
-              </a:rPr>
-              <a:t> data.describe()</a:t>
-            </a:r>
-            <a:br/>
-            <a:r>
-              <a:rPr>
-                <a:solidFill>
-                  <a:srgbClr val="003B4F"/>
-                </a:solidFill>
-                <a:latin typeface="Courier"/>
-              </a:rPr>
-              <a:t>print(result)</a:t>
-            </a:r>
-          </a:p>
-          <a:p>
-            <a:pPr lvl="0" indent="0" marL="0">
-              <a:buNone/>
-            </a:pPr>
-            <a:r>
-              <a:rPr b="1"/>
-              <a:t>After: Python Script</a:t>
-            </a:r>
-          </a:p>
-          <a:p>
-            <a:pPr lvl="0" indent="0">
-              <a:buNone/>
-            </a:pPr>
-            <a:r>
-              <a:rPr>
-                <a:solidFill>
-                  <a:srgbClr val="5E5E5E"/>
-                </a:solidFill>
-                <a:latin typeface="Courier"/>
-              </a:rPr>
-              <a:t># analysis.py</a:t>
-            </a:r>
-            <a:br/>
-            <a:r>
-              <a:rPr>
-                <a:solidFill>
-                  <a:srgbClr val="00769E"/>
-                </a:solidFill>
-                <a:latin typeface="Courier"/>
-              </a:rPr>
-              <a:t>import</a:t>
-            </a:r>
-            <a:r>
-              <a:rPr>
-                <a:solidFill>
-                  <a:srgbClr val="003B4F"/>
-                </a:solidFill>
-                <a:latin typeface="Courier"/>
-              </a:rPr>
-              <a:t> pandas </a:t>
-            </a:r>
-            <a:r>
-              <a:rPr>
-                <a:solidFill>
-                  <a:srgbClr val="00769E"/>
-                </a:solidFill>
-                <a:latin typeface="Courier"/>
-              </a:rPr>
-              <a:t>as</a:t>
-            </a:r>
-            <a:r>
-              <a:rPr>
-                <a:solidFill>
-                  <a:srgbClr val="003B4F"/>
-                </a:solidFill>
-                <a:latin typeface="Courier"/>
-              </a:rPr>
-              <a:t> pd</a:t>
-            </a:r>
-            <a:br/>
-            <a:br/>
-            <a:r>
-              <a:rPr>
-                <a:solidFill>
-                  <a:srgbClr val="003B4F"/>
-                </a:solidFill>
-                <a:latin typeface="Courier"/>
-              </a:rPr>
-              <a:t>def analyse_data(file_path):</a:t>
-            </a:r>
-            <a:br/>
-            <a:r>
-              <a:rPr>
-                <a:solidFill>
-                  <a:srgbClr val="003B4F"/>
-                </a:solidFill>
-                <a:latin typeface="Courier"/>
-              </a:rPr>
-              <a:t>    data </a:t>
-            </a:r>
-            <a:r>
-              <a:rPr>
-                <a:solidFill>
-                  <a:srgbClr val="5E5E5E"/>
-                </a:solidFill>
-                <a:latin typeface="Courier"/>
-              </a:rPr>
-              <a:t>=</a:t>
-            </a:r>
-            <a:r>
-              <a:rPr>
-                <a:solidFill>
-                  <a:srgbClr val="003B4F"/>
-                </a:solidFill>
-                <a:latin typeface="Courier"/>
-              </a:rPr>
-              <a:t> pd.read_csv(file_path)</a:t>
-            </a:r>
-            <a:br/>
-            <a:r>
-              <a:rPr>
-                <a:solidFill>
-                  <a:srgbClr val="003B4F"/>
-                </a:solidFill>
-                <a:latin typeface="Courier"/>
-              </a:rPr>
-              <a:t>    result </a:t>
-            </a:r>
-            <a:r>
-              <a:rPr>
-                <a:solidFill>
-                  <a:srgbClr val="5E5E5E"/>
-                </a:solidFill>
-                <a:latin typeface="Courier"/>
-              </a:rPr>
-              <a:t>=</a:t>
-            </a:r>
-            <a:r>
-              <a:rPr>
-                <a:solidFill>
-                  <a:srgbClr val="003B4F"/>
-                </a:solidFill>
-                <a:latin typeface="Courier"/>
-              </a:rPr>
-              <a:t> data.describe()</a:t>
-            </a:r>
-            <a:br/>
-            <a:r>
-              <a:rPr>
-                <a:solidFill>
-                  <a:srgbClr val="003B4F"/>
-                </a:solidFill>
-                <a:latin typeface="Courier"/>
-              </a:rPr>
-              <a:t>    return result</a:t>
-            </a:r>
-            <a:br/>
-            <a:br/>
-            <a:r>
-              <a:rPr>
-                <a:solidFill>
-                  <a:srgbClr val="003B4F"/>
-                </a:solidFill>
-                <a:latin typeface="Courier"/>
-              </a:rPr>
-              <a:t>if </a:t>
-            </a:r>
-            <a:r>
-              <a:rPr>
-                <a:solidFill>
-                  <a:srgbClr val="111111"/>
-                </a:solidFill>
-                <a:latin typeface="Courier"/>
-              </a:rPr>
-              <a:t>__name__</a:t>
-            </a:r>
-            <a:r>
-              <a:rPr>
-                <a:solidFill>
-                  <a:srgbClr val="003B4F"/>
-                </a:solidFill>
-                <a:latin typeface="Courier"/>
-              </a:rPr>
-              <a:t> </a:t>
-            </a:r>
-            <a:r>
-              <a:rPr>
-                <a:solidFill>
-                  <a:srgbClr val="5E5E5E"/>
-                </a:solidFill>
-                <a:latin typeface="Courier"/>
-              </a:rPr>
-              <a:t>==</a:t>
-            </a:r>
-            <a:r>
-              <a:rPr>
-                <a:solidFill>
-                  <a:srgbClr val="003B4F"/>
-                </a:solidFill>
-                <a:latin typeface="Courier"/>
-              </a:rPr>
-              <a:t> </a:t>
-            </a:r>
-            <a:r>
-              <a:rPr>
-                <a:solidFill>
-                  <a:srgbClr val="20794D"/>
-                </a:solidFill>
-                <a:latin typeface="Courier"/>
-              </a:rPr>
-              <a:t>"__main__"</a:t>
-            </a:r>
-            <a:r>
-              <a:rPr>
-                <a:solidFill>
-                  <a:srgbClr val="003B4F"/>
-                </a:solidFill>
-                <a:latin typeface="Courier"/>
-              </a:rPr>
-              <a:t>:</a:t>
-            </a:r>
-            <a:br/>
-            <a:r>
-              <a:rPr>
-                <a:solidFill>
-                  <a:srgbClr val="003B4F"/>
-                </a:solidFill>
-                <a:latin typeface="Courier"/>
-              </a:rPr>
-              <a:t>    result </a:t>
-            </a:r>
-            <a:r>
-              <a:rPr>
-                <a:solidFill>
-                  <a:srgbClr val="5E5E5E"/>
-                </a:solidFill>
-                <a:latin typeface="Courier"/>
-              </a:rPr>
-              <a:t>=</a:t>
-            </a:r>
-            <a:r>
-              <a:rPr>
-                <a:solidFill>
-                  <a:srgbClr val="003B4F"/>
-                </a:solidFill>
-                <a:latin typeface="Courier"/>
-              </a:rPr>
-              <a:t> analyse_data(</a:t>
-            </a:r>
-            <a:r>
-              <a:rPr>
-                <a:solidFill>
-                  <a:srgbClr val="20794D"/>
-                </a:solidFill>
-                <a:latin typeface="Courier"/>
-              </a:rPr>
-              <a:t>'data.csv'</a:t>
-            </a:r>
-            <a:r>
-              <a:rPr>
-                <a:solidFill>
-                  <a:srgbClr val="003B4F"/>
-                </a:solidFill>
-                <a:latin typeface="Courier"/>
-              </a:rPr>
-              <a:t>)</a:t>
-            </a:r>
-            <a:br/>
-            <a:r>
-              <a:rPr>
-                <a:solidFill>
-                  <a:srgbClr val="003B4F"/>
-                </a:solidFill>
-                <a:latin typeface="Courier"/>
-              </a:rPr>
-              <a:t>    print(result)</a:t>
+            <a:pPr lvl="0"/>
+            <a:r>
+              <a:rPr/>
+              <a:t>No one-size-fits-all solution; depends on project requirements, team size, data complexity, collaboration needs, and development speed.</a:t>
+            </a:r>
+          </a:p>
+          <a:p>
+            <a:pPr lvl="0"/>
+            <a:r>
+              <a:rPr/>
+              <a:t>Use notebooks for exploratory data analysis and prototyping.</a:t>
+            </a:r>
+          </a:p>
+          <a:p>
+            <a:pPr lvl="0"/>
+            <a:r>
+              <a:rPr/>
+              <a:t>Use Python scripts for long-term development and production code.</a:t>
+            </a:r>
+          </a:p>
+          <a:p>
+            <a:pPr lvl="0"/>
+            <a:r>
+              <a:rPr/>
+              <a:t>Hybrid approaches combine benefits of both.</a:t>
             </a:r>
           </a:p>
         </p:txBody>
@@ -6830,7 +7460,7 @@
             </a:pPr>
             <a:r>
               <a:rPr/>
-              <a:t>Using GitHub to Share Your Project</a:t>
+              <a:t>Hybrid Approach: Notebook-Based Workflows</a:t>
             </a:r>
           </a:p>
         </p:txBody>
@@ -6850,16 +7480,31 @@
           <a:bodyPr/>
           <a:lstStyle/>
           <a:p>
-            <a:pPr lvl="0" indent="0" marL="0">
-              <a:buNone/>
-            </a:pPr>
-            <a:r>
-              <a:rPr b="1"/>
-              <a:t>Why Use GitHub?</a:t>
-            </a:r>
+            <a:pPr lvl="0"/>
             <a:r>
               <a:rPr/>
-              <a:t> - Version control with Git - Share code with the world - Collaborate on projects</a:t>
+              <a:t>Use notebooks for exploratory data analysis and prototyping.</a:t>
+            </a:r>
+          </a:p>
+          <a:p>
+            <a:pPr lvl="0"/>
+            <a:r>
+              <a:rPr/>
+              <a:t>Refactor the code into Python scripts for production.</a:t>
+            </a:r>
+          </a:p>
+          <a:p>
+            <a:pPr lvl="0"/>
+            <a:r>
+              <a:rPr/>
+              <a:t>Maintain the interactive and flexible nature of notebooks for initial development.</a:t>
+            </a:r>
+          </a:p>
+          <a:p>
+            <a:pPr lvl="0"/>
+            <a:r>
+              <a:rPr/>
+              <a:t>Ensure the code is organised and efficient for long-term maintenance.</a:t>
             </a:r>
           </a:p>
         </p:txBody>
@@ -6949,7 +7594,7 @@
             </a:pPr>
             <a:r>
               <a:rPr/>
-              <a:t>Setting Up a GitHub Repository</a:t>
+              <a:t>Prototyping in Jupyter Notebooks</a:t>
             </a:r>
           </a:p>
         </p:txBody>
@@ -6974,11 +7619,28 @@
             </a:pPr>
             <a:r>
               <a:rPr b="1"/>
-              <a:t>Step-by-Step Guide</a:t>
-            </a:r>
+              <a:t>Why Use Jupyter Notebooks?</a:t>
+            </a:r>
+          </a:p>
+          <a:p>
+            <a:pPr lvl="0"/>
             <a:r>
               <a:rPr/>
-              <a:t> 1. Create a GitHub account 2. Create a new repository 3. Clone the repository to your local machine 4. Add your project files 5. Commit and push your changes</a:t>
+              <a:t>Interactive coding environment</a:t>
+            </a:r>
+          </a:p>
+          <a:p>
+            <a:pPr lvl="0"/>
+            <a:r>
+              <a:rPr/>
+              <a:t>Easy to test and debug code</a:t>
+            </a:r>
+          </a:p>
+          <a:p>
+            <a:pPr lvl="0"/>
+            <a:r>
+              <a:rPr/>
+              <a:t>Great for data analysis and visualisation</a:t>
             </a:r>
           </a:p>
         </p:txBody>
@@ -7068,7 +7730,7 @@
             </a:pPr>
             <a:r>
               <a:rPr/>
-              <a:t>Example: Git Commands</a:t>
+              <a:t>Refactoring Notebooks into Python Scripts</a:t>
             </a:r>
           </a:p>
         </p:txBody>
@@ -7093,205 +7755,28 @@
             </a:pPr>
             <a:r>
               <a:rPr b="1"/>
-              <a:t>Initialise and Push to GitHub</a:t>
-            </a:r>
-          </a:p>
-          <a:p>
-            <a:pPr lvl="0" indent="0">
-              <a:buNone/>
-            </a:pPr>
-            <a:r>
-              <a:rPr>
-                <a:solidFill>
-                  <a:srgbClr val="5E5E5E"/>
-                </a:solidFill>
-                <a:latin typeface="Courier"/>
-              </a:rPr>
-              <a:t># Initialise git in your project directory</a:t>
-            </a:r>
-            <a:br/>
-            <a:r>
-              <a:rPr>
-                <a:solidFill>
-                  <a:srgbClr val="4758AB"/>
-                </a:solidFill>
-                <a:latin typeface="Courier"/>
-              </a:rPr>
-              <a:t>git</a:t>
-            </a:r>
-            <a:r>
-              <a:rPr>
-                <a:solidFill>
-                  <a:srgbClr val="003B4F"/>
-                </a:solidFill>
-                <a:latin typeface="Courier"/>
-              </a:rPr>
-              <a:t> init</a:t>
-            </a:r>
-            <a:br/>
-            <a:br/>
-            <a:r>
-              <a:rPr>
-                <a:solidFill>
-                  <a:srgbClr val="5E5E5E"/>
-                </a:solidFill>
-                <a:latin typeface="Courier"/>
-              </a:rPr>
-              <a:t># Add your files to the repository</a:t>
-            </a:r>
-            <a:br/>
-            <a:r>
-              <a:rPr>
-                <a:solidFill>
-                  <a:srgbClr val="4758AB"/>
-                </a:solidFill>
-                <a:latin typeface="Courier"/>
-              </a:rPr>
-              <a:t>git</a:t>
-            </a:r>
-            <a:r>
-              <a:rPr>
-                <a:solidFill>
-                  <a:srgbClr val="003B4F"/>
-                </a:solidFill>
-                <a:latin typeface="Courier"/>
-              </a:rPr>
-              <a:t> add .</a:t>
-            </a:r>
-            <a:br/>
-            <a:br/>
-            <a:r>
-              <a:rPr>
-                <a:solidFill>
-                  <a:srgbClr val="5E5E5E"/>
-                </a:solidFill>
-                <a:latin typeface="Courier"/>
-              </a:rPr>
-              <a:t># Commit your changes</a:t>
-            </a:r>
-            <a:br/>
-            <a:r>
-              <a:rPr>
-                <a:solidFill>
-                  <a:srgbClr val="4758AB"/>
-                </a:solidFill>
-                <a:latin typeface="Courier"/>
-              </a:rPr>
-              <a:t>git</a:t>
-            </a:r>
-            <a:r>
-              <a:rPr>
-                <a:solidFill>
-                  <a:srgbClr val="003B4F"/>
-                </a:solidFill>
-                <a:latin typeface="Courier"/>
-              </a:rPr>
-              <a:t> commit </a:t>
-            </a:r>
-            <a:r>
-              <a:rPr>
-                <a:solidFill>
-                  <a:srgbClr val="657422"/>
-                </a:solidFill>
-                <a:latin typeface="Courier"/>
-              </a:rPr>
-              <a:t>-m</a:t>
-            </a:r>
-            <a:r>
-              <a:rPr>
-                <a:solidFill>
-                  <a:srgbClr val="003B4F"/>
-                </a:solidFill>
-                <a:latin typeface="Courier"/>
-              </a:rPr>
-              <a:t> </a:t>
-            </a:r>
-            <a:r>
-              <a:rPr>
-                <a:solidFill>
-                  <a:srgbClr val="20794D"/>
-                </a:solidFill>
-                <a:latin typeface="Courier"/>
-              </a:rPr>
-              <a:t>"Initial commit"</a:t>
-            </a:r>
-            <a:br/>
-            <a:br/>
-            <a:r>
-              <a:rPr>
-                <a:solidFill>
-                  <a:srgbClr val="5E5E5E"/>
-                </a:solidFill>
-                <a:latin typeface="Courier"/>
-              </a:rPr>
-              <a:t># Add the remote repository URL</a:t>
-            </a:r>
-            <a:br/>
-            <a:r>
-              <a:rPr>
-                <a:solidFill>
-                  <a:srgbClr val="4758AB"/>
-                </a:solidFill>
-                <a:latin typeface="Courier"/>
-              </a:rPr>
-              <a:t>git</a:t>
-            </a:r>
-            <a:r>
-              <a:rPr>
-                <a:solidFill>
-                  <a:srgbClr val="003B4F"/>
-                </a:solidFill>
-                <a:latin typeface="Courier"/>
-              </a:rPr>
-              <a:t> remote add origin https://github.com/yourusername/yourrepository.git</a:t>
-            </a:r>
-            <a:br/>
-            <a:br/>
-            <a:r>
-              <a:rPr>
-                <a:solidFill>
-                  <a:srgbClr val="5E5E5E"/>
-                </a:solidFill>
-                <a:latin typeface="Courier"/>
-              </a:rPr>
-              <a:t># Push your changes to GitHub</a:t>
-            </a:r>
-            <a:br/>
-            <a:r>
-              <a:rPr>
-                <a:solidFill>
-                  <a:srgbClr val="4758AB"/>
-                </a:solidFill>
-                <a:latin typeface="Courier"/>
-              </a:rPr>
-              <a:t>git</a:t>
-            </a:r>
-            <a:r>
-              <a:rPr>
-                <a:solidFill>
-                  <a:srgbClr val="003B4F"/>
-                </a:solidFill>
-                <a:latin typeface="Courier"/>
-              </a:rPr>
-              <a:t> push </a:t>
-            </a:r>
-            <a:r>
-              <a:rPr>
-                <a:solidFill>
-                  <a:srgbClr val="657422"/>
-                </a:solidFill>
-                <a:latin typeface="Courier"/>
-              </a:rPr>
-              <a:t>-u</a:t>
-            </a:r>
-            <a:r>
-              <a:rPr>
-                <a:solidFill>
-                  <a:srgbClr val="003B4F"/>
-                </a:solidFill>
-                <a:latin typeface="Courier"/>
-              </a:rPr>
-              <a:t> origin master</a:t>
+              <a:t>Why Refactor?</a:t>
+            </a:r>
+          </a:p>
+          <a:p>
+            <a:pPr lvl="0"/>
+            <a:r>
+              <a:rPr/>
+              <a:t>Organise and structure your code</a:t>
+            </a:r>
+          </a:p>
+          <a:p>
+            <a:pPr lvl="0"/>
+            <a:r>
+              <a:rPr/>
+              <a:t>Make it reusable and modular</a:t>
+            </a:r>
+          </a:p>
+          <a:p>
+            <a:pPr lvl="0"/>
+            <a:r>
+              <a:rPr/>
+              <a:t>Prepare for deployment and sharing</a:t>
             </a:r>
           </a:p>
         </p:txBody>
